--- a/SPRING MVC.pptx
+++ b/SPRING MVC.pptx
@@ -6840,18 +6840,22 @@
                   </a:schemeClr>
                 </a:solidFill>
               </a:rPr>
-              <a:t>Muzaffer </a:t>
-            </a:r>
-            <a:r>
-              <a:rPr lang="tr-TR" dirty="0" err="1">
+              <a:t>Muzaffer Öztürk</a:t>
+            </a:r>
+          </a:p>
+          <a:p>
+            <a:pPr rtl="0"/>
+            <a:r>
+              <a:rPr lang="tr-TR" dirty="0">
                 <a:solidFill>
                   <a:schemeClr val="accent1">
                     <a:lumMod val="40000"/>
                     <a:lumOff val="60000"/>
                   </a:schemeClr>
                 </a:solidFill>
+                <a:hlinkClick r:id="rId4"/>
               </a:rPr>
-              <a:t>öztürk</a:t>
+              <a:t>https://github.com/MuzafferOzturk/SpringMVCSunum</a:t>
             </a:r>
             <a:endParaRPr lang="tr-TR" dirty="0">
               <a:solidFill>
@@ -8116,6 +8120,7 @@
                     <a:lumOff val="60000"/>
                   </a:schemeClr>
                 </a:solidFill>
+                <a:hlinkClick r:id="rId4" action="ppaction://hlinkfile"/>
               </a:rPr>
               <a:t>github.com/</a:t>
             </a:r>
@@ -8127,6 +8132,7 @@
                     <a:lumOff val="60000"/>
                   </a:schemeClr>
                 </a:solidFill>
+                <a:hlinkClick r:id="rId4" action="ppaction://hlinkfile"/>
               </a:rPr>
               <a:t>MuzafferOzturk</a:t>
             </a:r>
@@ -10308,20 +10314,20 @@
 </file>
 
 <file path=customXml/item1.xml><?xml version="1.0" encoding="utf-8"?>
+<p:properties xmlns:p="http://schemas.microsoft.com/office/2006/metadata/properties" xmlns:xsi="http://www.w3.org/2001/XMLSchema-instance" xmlns:pc="http://schemas.microsoft.com/office/infopath/2007/PartnerControls">
+  <documentManagement>
+    <MediaServiceKeyPoints xmlns="71af3243-3dd4-4a8d-8c0d-dd76da1f02a5" xsi:nil="true"/>
+  </documentManagement>
+</p:properties>
+</file>
+
+<file path=customXml/item2.xml><?xml version="1.0" encoding="utf-8"?>
 <?mso-contentType ?>
 <FormTemplates xmlns="http://schemas.microsoft.com/sharepoint/v3/contenttype/forms">
   <Display>DocumentLibraryForm</Display>
   <Edit>DocumentLibraryForm</Edit>
   <New>DocumentLibraryForm</New>
 </FormTemplates>
-</file>
-
-<file path=customXml/item2.xml><?xml version="1.0" encoding="utf-8"?>
-<p:properties xmlns:p="http://schemas.microsoft.com/office/2006/metadata/properties" xmlns:xsi="http://www.w3.org/2001/XMLSchema-instance" xmlns:pc="http://schemas.microsoft.com/office/infopath/2007/PartnerControls">
-  <documentManagement>
-    <MediaServiceKeyPoints xmlns="71af3243-3dd4-4a8d-8c0d-dd76da1f02a5" xsi:nil="true"/>
-  </documentManagement>
-</p:properties>
 </file>
 
 <file path=customXml/item3.xml><?xml version="1.0" encoding="utf-8"?>
@@ -10536,19 +10542,19 @@
 </file>
 
 <file path=customXml/itemProps1.xml><?xml version="1.0" encoding="utf-8"?>
-<ds:datastoreItem xmlns:ds="http://schemas.openxmlformats.org/officeDocument/2006/customXml" ds:itemID="{E0F1DF1E-36E3-406C-8CF7-DB13BB647087}">
+<ds:datastoreItem xmlns:ds="http://schemas.openxmlformats.org/officeDocument/2006/customXml" ds:itemID="{B85274BF-C111-4B7A-8D90-F7666D37C131}">
   <ds:schemaRefs>
-    <ds:schemaRef ds:uri="http://schemas.microsoft.com/sharepoint/v3/contenttype/forms"/>
+    <ds:schemaRef ds:uri="http://schemas.microsoft.com/office/2006/metadata/properties"/>
+    <ds:schemaRef ds:uri="http://schemas.microsoft.com/office/infopath/2007/PartnerControls"/>
+    <ds:schemaRef ds:uri="71af3243-3dd4-4a8d-8c0d-dd76da1f02a5"/>
   </ds:schemaRefs>
 </ds:datastoreItem>
 </file>
 
 <file path=customXml/itemProps2.xml><?xml version="1.0" encoding="utf-8"?>
-<ds:datastoreItem xmlns:ds="http://schemas.openxmlformats.org/officeDocument/2006/customXml" ds:itemID="{B85274BF-C111-4B7A-8D90-F7666D37C131}">
+<ds:datastoreItem xmlns:ds="http://schemas.openxmlformats.org/officeDocument/2006/customXml" ds:itemID="{E0F1DF1E-36E3-406C-8CF7-DB13BB647087}">
   <ds:schemaRefs>
-    <ds:schemaRef ds:uri="http://schemas.microsoft.com/office/2006/metadata/properties"/>
-    <ds:schemaRef ds:uri="http://schemas.microsoft.com/office/infopath/2007/PartnerControls"/>
-    <ds:schemaRef ds:uri="71af3243-3dd4-4a8d-8c0d-dd76da1f02a5"/>
+    <ds:schemaRef ds:uri="http://schemas.microsoft.com/sharepoint/v3/contenttype/forms"/>
   </ds:schemaRefs>
 </ds:datastoreItem>
 </file>
